--- a/PLPTH813Bioinformatis/2025/2_lab/lab05_NCBItools.pptx
+++ b/PLPTH813Bioinformatis/2025/2_lab/lab05_NCBItools.pptx
@@ -217,7 +217,7 @@
           <a:p>
             <a:fld id="{58883D7F-0C77-3940-83B9-C780230A70C0}" type="datetimeFigureOut">
               <a:rPr lang="en-US" smtClean="0"/>
-              <a:t>2/19/25</a:t>
+              <a:t>2/21/25</a:t>
             </a:fld>
             <a:endParaRPr lang="en-US"/>
           </a:p>
@@ -7043,7 +7043,7 @@
           <a:p>
             <a:fld id="{54D75E50-A749-724F-B507-4045A9123354}" type="datetimeFigureOut">
               <a:rPr lang="en-US" smtClean="0"/>
-              <a:t>2/19/25</a:t>
+              <a:t>2/21/25</a:t>
             </a:fld>
             <a:endParaRPr lang="en-US"/>
           </a:p>
@@ -7241,7 +7241,7 @@
           <a:p>
             <a:fld id="{54D75E50-A749-724F-B507-4045A9123354}" type="datetimeFigureOut">
               <a:rPr lang="en-US" smtClean="0"/>
-              <a:t>2/19/25</a:t>
+              <a:t>2/21/25</a:t>
             </a:fld>
             <a:endParaRPr lang="en-US"/>
           </a:p>
@@ -7449,7 +7449,7 @@
           <a:p>
             <a:fld id="{54D75E50-A749-724F-B507-4045A9123354}" type="datetimeFigureOut">
               <a:rPr lang="en-US" smtClean="0"/>
-              <a:t>2/19/25</a:t>
+              <a:t>2/21/25</a:t>
             </a:fld>
             <a:endParaRPr lang="en-US"/>
           </a:p>
@@ -7647,7 +7647,7 @@
           <a:p>
             <a:fld id="{54D75E50-A749-724F-B507-4045A9123354}" type="datetimeFigureOut">
               <a:rPr lang="en-US" smtClean="0"/>
-              <a:t>2/19/25</a:t>
+              <a:t>2/21/25</a:t>
             </a:fld>
             <a:endParaRPr lang="en-US"/>
           </a:p>
@@ -7922,7 +7922,7 @@
           <a:p>
             <a:fld id="{54D75E50-A749-724F-B507-4045A9123354}" type="datetimeFigureOut">
               <a:rPr lang="en-US" smtClean="0"/>
-              <a:t>2/19/25</a:t>
+              <a:t>2/21/25</a:t>
             </a:fld>
             <a:endParaRPr lang="en-US"/>
           </a:p>
@@ -8187,7 +8187,7 @@
           <a:p>
             <a:fld id="{54D75E50-A749-724F-B507-4045A9123354}" type="datetimeFigureOut">
               <a:rPr lang="en-US" smtClean="0"/>
-              <a:t>2/19/25</a:t>
+              <a:t>2/21/25</a:t>
             </a:fld>
             <a:endParaRPr lang="en-US"/>
           </a:p>
@@ -8599,7 +8599,7 @@
           <a:p>
             <a:fld id="{54D75E50-A749-724F-B507-4045A9123354}" type="datetimeFigureOut">
               <a:rPr lang="en-US" smtClean="0"/>
-              <a:t>2/19/25</a:t>
+              <a:t>2/21/25</a:t>
             </a:fld>
             <a:endParaRPr lang="en-US"/>
           </a:p>
@@ -8740,7 +8740,7 @@
           <a:p>
             <a:fld id="{54D75E50-A749-724F-B507-4045A9123354}" type="datetimeFigureOut">
               <a:rPr lang="en-US" smtClean="0"/>
-              <a:t>2/19/25</a:t>
+              <a:t>2/21/25</a:t>
             </a:fld>
             <a:endParaRPr lang="en-US"/>
           </a:p>
@@ -8853,7 +8853,7 @@
           <a:p>
             <a:fld id="{54D75E50-A749-724F-B507-4045A9123354}" type="datetimeFigureOut">
               <a:rPr lang="en-US" smtClean="0"/>
-              <a:t>2/19/25</a:t>
+              <a:t>2/21/25</a:t>
             </a:fld>
             <a:endParaRPr lang="en-US"/>
           </a:p>
@@ -9164,7 +9164,7 @@
           <a:p>
             <a:fld id="{54D75E50-A749-724F-B507-4045A9123354}" type="datetimeFigureOut">
               <a:rPr lang="en-US" smtClean="0"/>
-              <a:t>2/19/25</a:t>
+              <a:t>2/21/25</a:t>
             </a:fld>
             <a:endParaRPr lang="en-US"/>
           </a:p>
@@ -9452,7 +9452,7 @@
           <a:p>
             <a:fld id="{54D75E50-A749-724F-B507-4045A9123354}" type="datetimeFigureOut">
               <a:rPr lang="en-US" smtClean="0"/>
-              <a:t>2/19/25</a:t>
+              <a:t>2/21/25</a:t>
             </a:fld>
             <a:endParaRPr lang="en-US"/>
           </a:p>
@@ -9693,7 +9693,7 @@
           <a:p>
             <a:fld id="{54D75E50-A749-724F-B507-4045A9123354}" type="datetimeFigureOut">
               <a:rPr lang="en-US" smtClean="0"/>
-              <a:t>2/19/25</a:t>
+              <a:t>2/21/25</a:t>
             </a:fld>
             <a:endParaRPr lang="en-US"/>
           </a:p>
@@ -10571,7 +10571,7 @@
         <p:spPr>
           <a:xfrm>
             <a:off x="1083732" y="4218212"/>
-            <a:ext cx="6821098" cy="830997"/>
+            <a:ext cx="6821098" cy="2308324"/>
           </a:xfrm>
           <a:prstGeom prst="rect">
             <a:avLst/>
@@ -10591,6 +10591,69 @@
               </a:rPr>
               <a:t>module load Perl</a:t>
             </a:r>
+          </a:p>
+          <a:p>
+            <a:r>
+              <a:rPr lang="en-US" sz="2400" dirty="0">
+                <a:latin typeface="Courier New" panose="02070309020205020404" pitchFamily="49" charset="0"/>
+                <a:cs typeface="Courier New" panose="02070309020205020404" pitchFamily="49" charset="0"/>
+              </a:rPr>
+              <a:t>s</a:t>
+            </a:r>
+            <a:r>
+              <a:rPr lang="en-US" sz="2400" dirty="0">
+                <a:effectLst/>
+                <a:latin typeface="Courier New" panose="02070309020205020404" pitchFamily="49" charset="0"/>
+                <a:cs typeface="Courier New" panose="02070309020205020404" pitchFamily="49" charset="0"/>
+              </a:rPr>
+              <a:t>ource </a:t>
+            </a:r>
+            <a:r>
+              <a:rPr lang="en-US" sz="2400" dirty="0">
+                <a:latin typeface="Courier New" panose="02070309020205020404" pitchFamily="49" charset="0"/>
+                <a:cs typeface="Courier New" panose="02070309020205020404" pitchFamily="49" charset="0"/>
+              </a:rPr>
+              <a:t>$HOME/.</a:t>
+            </a:r>
+            <a:r>
+              <a:rPr lang="en-US" sz="2400" dirty="0" err="1">
+                <a:latin typeface="Courier New" panose="02070309020205020404" pitchFamily="49" charset="0"/>
+                <a:cs typeface="Courier New" panose="02070309020205020404" pitchFamily="49" charset="0"/>
+              </a:rPr>
+              <a:t>bashrc</a:t>
+            </a:r>
+            <a:endParaRPr lang="en-US" sz="2400" dirty="0">
+              <a:latin typeface="Courier New" panose="02070309020205020404" pitchFamily="49" charset="0"/>
+              <a:cs typeface="Courier New" panose="02070309020205020404" pitchFamily="49" charset="0"/>
+            </a:endParaRPr>
+          </a:p>
+          <a:p>
+            <a:endParaRPr lang="en-US" sz="2400" dirty="0">
+              <a:effectLst/>
+              <a:latin typeface="Courier New" panose="02070309020205020404" pitchFamily="49" charset="0"/>
+              <a:cs typeface="Courier New" panose="02070309020205020404" pitchFamily="49" charset="0"/>
+            </a:endParaRPr>
+          </a:p>
+          <a:p>
+            <a:r>
+              <a:rPr lang="en-US" sz="2400" dirty="0" err="1">
+                <a:effectLst/>
+                <a:latin typeface="Courier New" panose="02070309020205020404" pitchFamily="49" charset="0"/>
+                <a:cs typeface="Courier New" panose="02070309020205020404" pitchFamily="49" charset="0"/>
+              </a:rPr>
+              <a:t>esearch</a:t>
+            </a:r>
+            <a:endParaRPr lang="en-US" sz="2400" dirty="0">
+              <a:effectLst/>
+              <a:latin typeface="Courier New" panose="02070309020205020404" pitchFamily="49" charset="0"/>
+              <a:cs typeface="Courier New" panose="02070309020205020404" pitchFamily="49" charset="0"/>
+            </a:endParaRPr>
+          </a:p>
+          <a:p>
+            <a:endParaRPr lang="en-US" sz="2400" dirty="0">
+              <a:latin typeface="Courier New" panose="02070309020205020404" pitchFamily="49" charset="0"/>
+              <a:cs typeface="Courier New" panose="02070309020205020404" pitchFamily="49" charset="0"/>
+            </a:endParaRPr>
           </a:p>
           <a:p>
             <a:r>
@@ -11408,11 +11471,23 @@
               <a:t>efetch</a:t>
             </a:r>
             <a:r>
+              <a:rPr lang="en-US" b="1" dirty="0">
+                <a:solidFill>
+                  <a:schemeClr val="accent2">
+                    <a:lumMod val="50000"/>
+                  </a:schemeClr>
+                </a:solidFill>
+                <a:latin typeface="Courier New" panose="02070309020205020404" pitchFamily="49" charset="0"/>
+                <a:cs typeface="Courier New" panose="02070309020205020404" pitchFamily="49" charset="0"/>
+              </a:rPr>
+              <a:t> </a:t>
+            </a:r>
+            <a:r>
               <a:rPr lang="en-US" dirty="0">
                 <a:latin typeface="Courier New" panose="02070309020205020404" pitchFamily="49" charset="0"/>
                 <a:cs typeface="Courier New" panose="02070309020205020404" pitchFamily="49" charset="0"/>
               </a:rPr>
-              <a:t> –format </a:t>
+              <a:t>–format </a:t>
             </a:r>
             <a:r>
               <a:rPr lang="en-US" dirty="0" err="1">
@@ -13247,7 +13322,7 @@
                 <a:latin typeface="Courier New" panose="02070309020205020404" pitchFamily="49" charset="0"/>
                 <a:cs typeface="Courier New" panose="02070309020205020404" pitchFamily="49" charset="0"/>
               </a:rPr>
-              <a:t>datasets download genome taxon "Sorghum bicolor" \</a:t>
+              <a:t>./datasets download genome taxon "Sorghum bicolor" \</a:t>
             </a:r>
           </a:p>
           <a:p>
@@ -13546,7 +13621,7 @@
         <p:spPr>
           <a:xfrm>
             <a:off x="907025" y="1925078"/>
-            <a:ext cx="11061041" cy="461665"/>
+            <a:ext cx="11429732" cy="461665"/>
           </a:xfrm>
           <a:prstGeom prst="rect">
             <a:avLst/>
@@ -13568,7 +13643,7 @@
                 <a:latin typeface="Courier New" panose="02070309020205020404" pitchFamily="49" charset="0"/>
                 <a:cs typeface="Courier New" panose="02070309020205020404" pitchFamily="49" charset="0"/>
               </a:rPr>
-              <a:t>datasets summary genome taxon "Sorghum Bicolor" --reference</a:t>
+              <a:t>./datasets summary genome taxon "Sorghum Bicolor" --reference</a:t>
             </a:r>
           </a:p>
         </p:txBody>
@@ -14058,7 +14133,7 @@
         <p:spPr>
           <a:xfrm>
             <a:off x="838200" y="3425296"/>
-            <a:ext cx="6452407" cy="461665"/>
+            <a:ext cx="6821098" cy="461665"/>
           </a:xfrm>
           <a:prstGeom prst="rect">
             <a:avLst/>
@@ -14080,7 +14155,7 @@
                 <a:latin typeface="Courier New" panose="02070309020205020404" pitchFamily="49" charset="0"/>
                 <a:cs typeface="Courier New" panose="02070309020205020404" pitchFamily="49" charset="0"/>
               </a:rPr>
-              <a:t>datasets download gene taxon human</a:t>
+              <a:t>./datasets download gene taxon human</a:t>
             </a:r>
           </a:p>
         </p:txBody>
@@ -14337,7 +14412,7 @@
         <p:spPr>
           <a:xfrm>
             <a:off x="838200" y="2308994"/>
-            <a:ext cx="11061041" cy="461665"/>
+            <a:ext cx="11429732" cy="461665"/>
           </a:xfrm>
           <a:prstGeom prst="rect">
             <a:avLst/>
@@ -14359,7 +14434,7 @@
                 <a:latin typeface="Courier New" panose="02070309020205020404" pitchFamily="49" charset="0"/>
                 <a:cs typeface="Courier New" panose="02070309020205020404" pitchFamily="49" charset="0"/>
               </a:rPr>
-              <a:t>datasets download gene accession NM_020107.5 NP_001334352.2</a:t>
+              <a:t>./datasets download gene accession NM_020107.5 NP_001334352.2</a:t>
             </a:r>
           </a:p>
         </p:txBody>
@@ -14379,7 +14454,7 @@
         <p:spPr>
           <a:xfrm>
             <a:off x="838200" y="4679005"/>
-            <a:ext cx="10033516" cy="1015663"/>
+            <a:ext cx="10341293" cy="1015663"/>
           </a:xfrm>
           <a:prstGeom prst="rect">
             <a:avLst/>
@@ -14408,13 +14483,13 @@
           <a:p>
             <a:r>
               <a:rPr lang="en-US" sz="2000" dirty="0"/>
-              <a:t>datasets download gene gene-id 59272 --ortholog mammals</a:t>
+              <a:t>./datasets download gene gene-id 59272 --ortholog mammals</a:t>
             </a:r>
           </a:p>
           <a:p>
             <a:r>
               <a:rPr lang="en-US" sz="2000" dirty="0"/>
-              <a:t>datasets download gene symbol </a:t>
+              <a:t>./datasets download gene symbol </a:t>
             </a:r>
             <a:r>
               <a:rPr lang="en-US" sz="2000" dirty="0" err="1"/>
@@ -14428,7 +14503,7 @@
           <a:p>
             <a:r>
               <a:rPr lang="en-US" sz="2000" dirty="0"/>
-              <a:t>datasets download gene accession NM_000492.4 --ortholog primates</a:t>
+              <a:t>./datasets download gene accession NM_000492.4 --ortholog primates</a:t>
             </a:r>
           </a:p>
         </p:txBody>
@@ -15044,15 +15119,39 @@
         </p:nvSpPr>
         <p:spPr>
           <a:xfrm>
-            <a:off x="1698171" y="1514310"/>
+            <a:off x="1618658" y="1882058"/>
             <a:ext cx="9187543" cy="4287777"/>
           </a:xfrm>
         </p:spPr>
         <p:txBody>
           <a:bodyPr>
-            <a:normAutofit/>
+            <a:normAutofit lnSpcReduction="10000"/>
           </a:bodyPr>
           <a:lstStyle/>
+          <a:p>
+            <a:pPr marL="0" indent="0">
+              <a:buNone/>
+            </a:pPr>
+            <a:r>
+              <a:rPr lang="en-US" dirty="0">
+                <a:solidFill>
+                  <a:srgbClr val="C00000"/>
+                </a:solidFill>
+                <a:latin typeface="Courier New" panose="02070309020205020404" pitchFamily="49" charset="0"/>
+                <a:cs typeface="Courier New" panose="02070309020205020404" pitchFamily="49" charset="0"/>
+              </a:rPr>
+              <a:t>source ~/anaconda3/bin/activate</a:t>
+            </a:r>
+          </a:p>
+          <a:p>
+            <a:pPr marL="0" indent="0">
+              <a:buNone/>
+            </a:pPr>
+            <a:endParaRPr lang="en-US" dirty="0">
+              <a:latin typeface="Courier New" panose="02070309020205020404" pitchFamily="49" charset="0"/>
+              <a:cs typeface="Courier New" panose="02070309020205020404" pitchFamily="49" charset="0"/>
+            </a:endParaRPr>
+          </a:p>
           <a:p>
             <a:pPr marL="0" indent="0">
               <a:buNone/>
